--- a/files/Writting and Reading the data.pptx
+++ b/files/Writting and Reading the data.pptx
@@ -3859,7 +3859,7 @@
         <p:spPr>
           <a:xfrm>
             <a:off x="4343400" y="228600"/>
-            <a:ext cx="4419600" cy="990600"/>
+            <a:ext cx="4419600" cy="609600"/>
           </a:xfrm>
           <a:prstGeom prst="rect">
             <a:avLst/>
